--- a/doc/SoftwareDesign/Database/databaseDesign.pptx
+++ b/doc/SoftwareDesign/Database/databaseDesign.pptx
@@ -6,13 +6,21 @@
   </p:sldMasterIdLst>
   <p:sldIdLst>
     <p:sldId id="256" r:id="rId2"/>
-    <p:sldId id="257" r:id="rId3"/>
-    <p:sldId id="258" r:id="rId4"/>
-    <p:sldId id="263" r:id="rId5"/>
-    <p:sldId id="259" r:id="rId6"/>
-    <p:sldId id="262" r:id="rId7"/>
-    <p:sldId id="261" r:id="rId8"/>
-    <p:sldId id="260" r:id="rId9"/>
+    <p:sldId id="264" r:id="rId3"/>
+    <p:sldId id="268" r:id="rId4"/>
+    <p:sldId id="257" r:id="rId5"/>
+    <p:sldId id="270" r:id="rId6"/>
+    <p:sldId id="271" r:id="rId7"/>
+    <p:sldId id="265" r:id="rId8"/>
+    <p:sldId id="258" r:id="rId9"/>
+    <p:sldId id="269" r:id="rId10"/>
+    <p:sldId id="263" r:id="rId11"/>
+    <p:sldId id="266" r:id="rId12"/>
+    <p:sldId id="259" r:id="rId13"/>
+    <p:sldId id="262" r:id="rId14"/>
+    <p:sldId id="261" r:id="rId15"/>
+    <p:sldId id="260" r:id="rId16"/>
+    <p:sldId id="267" r:id="rId17"/>
   </p:sldIdLst>
   <p:sldSz cx="12192000" cy="6858000"/>
   <p:notesSz cx="6858000" cy="9144000"/>
@@ -266,7 +274,7 @@
           <a:p>
             <a:fld id="{9BD8E147-83C6-4BFC-A003-B6FF8377158A}" type="datetimeFigureOut">
               <a:rPr lang="zh-CN" altLang="en-US" smtClean="0"/>
-              <a:t>2020/7/19</a:t>
+              <a:t>2020/12/03</a:t>
             </a:fld>
             <a:endParaRPr lang="zh-CN" altLang="en-US"/>
           </a:p>
@@ -464,7 +472,7 @@
           <a:p>
             <a:fld id="{9BD8E147-83C6-4BFC-A003-B6FF8377158A}" type="datetimeFigureOut">
               <a:rPr lang="zh-CN" altLang="en-US" smtClean="0"/>
-              <a:t>2020/7/19</a:t>
+              <a:t>2020/12/03</a:t>
             </a:fld>
             <a:endParaRPr lang="zh-CN" altLang="en-US"/>
           </a:p>
@@ -672,7 +680,7 @@
           <a:p>
             <a:fld id="{9BD8E147-83C6-4BFC-A003-B6FF8377158A}" type="datetimeFigureOut">
               <a:rPr lang="zh-CN" altLang="en-US" smtClean="0"/>
-              <a:t>2020/7/19</a:t>
+              <a:t>2020/12/03</a:t>
             </a:fld>
             <a:endParaRPr lang="zh-CN" altLang="en-US"/>
           </a:p>
@@ -870,7 +878,7 @@
           <a:p>
             <a:fld id="{9BD8E147-83C6-4BFC-A003-B6FF8377158A}" type="datetimeFigureOut">
               <a:rPr lang="zh-CN" altLang="en-US" smtClean="0"/>
-              <a:t>2020/7/19</a:t>
+              <a:t>2020/12/03</a:t>
             </a:fld>
             <a:endParaRPr lang="zh-CN" altLang="en-US"/>
           </a:p>
@@ -1145,7 +1153,7 @@
           <a:p>
             <a:fld id="{9BD8E147-83C6-4BFC-A003-B6FF8377158A}" type="datetimeFigureOut">
               <a:rPr lang="zh-CN" altLang="en-US" smtClean="0"/>
-              <a:t>2020/7/19</a:t>
+              <a:t>2020/12/03</a:t>
             </a:fld>
             <a:endParaRPr lang="zh-CN" altLang="en-US"/>
           </a:p>
@@ -1410,7 +1418,7 @@
           <a:p>
             <a:fld id="{9BD8E147-83C6-4BFC-A003-B6FF8377158A}" type="datetimeFigureOut">
               <a:rPr lang="zh-CN" altLang="en-US" smtClean="0"/>
-              <a:t>2020/7/19</a:t>
+              <a:t>2020/12/03</a:t>
             </a:fld>
             <a:endParaRPr lang="zh-CN" altLang="en-US"/>
           </a:p>
@@ -1822,7 +1830,7 @@
           <a:p>
             <a:fld id="{9BD8E147-83C6-4BFC-A003-B6FF8377158A}" type="datetimeFigureOut">
               <a:rPr lang="zh-CN" altLang="en-US" smtClean="0"/>
-              <a:t>2020/7/19</a:t>
+              <a:t>2020/12/03</a:t>
             </a:fld>
             <a:endParaRPr lang="zh-CN" altLang="en-US"/>
           </a:p>
@@ -1963,7 +1971,7 @@
           <a:p>
             <a:fld id="{9BD8E147-83C6-4BFC-A003-B6FF8377158A}" type="datetimeFigureOut">
               <a:rPr lang="zh-CN" altLang="en-US" smtClean="0"/>
-              <a:t>2020/7/19</a:t>
+              <a:t>2020/12/03</a:t>
             </a:fld>
             <a:endParaRPr lang="zh-CN" altLang="en-US"/>
           </a:p>
@@ -2076,7 +2084,7 @@
           <a:p>
             <a:fld id="{9BD8E147-83C6-4BFC-A003-B6FF8377158A}" type="datetimeFigureOut">
               <a:rPr lang="zh-CN" altLang="en-US" smtClean="0"/>
-              <a:t>2020/7/19</a:t>
+              <a:t>2020/12/03</a:t>
             </a:fld>
             <a:endParaRPr lang="zh-CN" altLang="en-US"/>
           </a:p>
@@ -2387,7 +2395,7 @@
           <a:p>
             <a:fld id="{9BD8E147-83C6-4BFC-A003-B6FF8377158A}" type="datetimeFigureOut">
               <a:rPr lang="zh-CN" altLang="en-US" smtClean="0"/>
-              <a:t>2020/7/19</a:t>
+              <a:t>2020/12/03</a:t>
             </a:fld>
             <a:endParaRPr lang="zh-CN" altLang="en-US"/>
           </a:p>
@@ -2675,7 +2683,7 @@
           <a:p>
             <a:fld id="{9BD8E147-83C6-4BFC-A003-B6FF8377158A}" type="datetimeFigureOut">
               <a:rPr lang="zh-CN" altLang="en-US" smtClean="0"/>
-              <a:t>2020/7/19</a:t>
+              <a:t>2020/12/03</a:t>
             </a:fld>
             <a:endParaRPr lang="zh-CN" altLang="en-US"/>
           </a:p>
@@ -2916,7 +2924,7 @@
           <a:p>
             <a:fld id="{9BD8E147-83C6-4BFC-A003-B6FF8377158A}" type="datetimeFigureOut">
               <a:rPr lang="zh-CN" altLang="en-US" smtClean="0"/>
-              <a:t>2020/7/19</a:t>
+              <a:t>2020/12/03</a:t>
             </a:fld>
             <a:endParaRPr lang="zh-CN" altLang="en-US"/>
           </a:p>
@@ -3356,7 +3364,7 @@
           <a:p>
             <a:r>
               <a:rPr lang="en-US" altLang="zh-CN" dirty="0"/>
-              <a:t>Database Table Design</a:t>
+              <a:t>Database Design</a:t>
             </a:r>
             <a:endParaRPr lang="zh-CN" altLang="en-US" dirty="0"/>
           </a:p>
@@ -3391,6 +3399,677 @@
     <p:extLst>
       <p:ext uri="{BB962C8B-B14F-4D97-AF65-F5344CB8AC3E}">
         <p14:creationId xmlns:p14="http://schemas.microsoft.com/office/powerpoint/2010/main" val="3685696557"/>
+      </p:ext>
+    </p:extLst>
+  </p:cSld>
+  <p:clrMapOvr>
+    <a:masterClrMapping/>
+  </p:clrMapOvr>
+</p:sld>
+</file>
+
+<file path=ppt/slides/slide10.xml><?xml version="1.0" encoding="utf-8"?>
+<p:sld xmlns:a="http://schemas.openxmlformats.org/drawingml/2006/main" xmlns:r="http://schemas.openxmlformats.org/officeDocument/2006/relationships" xmlns:p="http://schemas.openxmlformats.org/presentationml/2006/main">
+  <p:cSld>
+    <p:spTree>
+      <p:nvGrpSpPr>
+        <p:cNvPr id="1" name=""/>
+        <p:cNvGrpSpPr/>
+        <p:nvPr/>
+      </p:nvGrpSpPr>
+      <p:grpSpPr>
+        <a:xfrm>
+          <a:off x="0" y="0"/>
+          <a:ext cx="0" cy="0"/>
+          <a:chOff x="0" y="0"/>
+          <a:chExt cx="0" cy="0"/>
+        </a:xfrm>
+      </p:grpSpPr>
+      <p:sp>
+        <p:nvSpPr>
+          <p:cNvPr id="2" name="标题 1">
+            <a:extLst>
+              <a:ext uri="{FF2B5EF4-FFF2-40B4-BE49-F238E27FC236}">
+                <a16:creationId xmlns:a16="http://schemas.microsoft.com/office/drawing/2014/main" id="{772A7124-A3FA-486B-B437-35D6BE4EAAF6}"/>
+              </a:ext>
+            </a:extLst>
+          </p:cNvPr>
+          <p:cNvSpPr>
+            <a:spLocks noGrp="1"/>
+          </p:cNvSpPr>
+          <p:nvPr>
+            <p:ph type="title"/>
+          </p:nvPr>
+        </p:nvSpPr>
+        <p:spPr/>
+        <p:txBody>
+          <a:bodyPr/>
+          <a:lstStyle/>
+          <a:p>
+            <a:r>
+              <a:rPr lang="en-US" altLang="zh-CN" dirty="0"/>
+              <a:t>SFCI Table</a:t>
+            </a:r>
+            <a:endParaRPr lang="zh-CN" altLang="en-US" dirty="0"/>
+          </a:p>
+        </p:txBody>
+      </p:sp>
+      <p:sp>
+        <p:nvSpPr>
+          <p:cNvPr id="3" name="内容占位符 2">
+            <a:extLst>
+              <a:ext uri="{FF2B5EF4-FFF2-40B4-BE49-F238E27FC236}">
+                <a16:creationId xmlns:a16="http://schemas.microsoft.com/office/drawing/2014/main" id="{FCDF41D7-80A2-43AB-A6FF-244A9A9620C4}"/>
+              </a:ext>
+            </a:extLst>
+          </p:cNvPr>
+          <p:cNvSpPr>
+            <a:spLocks noGrp="1"/>
+          </p:cNvSpPr>
+          <p:nvPr>
+            <p:ph idx="1"/>
+          </p:nvPr>
+        </p:nvSpPr>
+        <p:spPr/>
+        <p:txBody>
+          <a:bodyPr/>
+          <a:lstStyle/>
+          <a:p>
+            <a:r>
+              <a:rPr lang="en-US" altLang="zh-CN" dirty="0"/>
+              <a:t>SFCIID(index), State, pickle</a:t>
+            </a:r>
+            <a:endParaRPr lang="zh-CN" altLang="en-US" dirty="0"/>
+          </a:p>
+        </p:txBody>
+      </p:sp>
+    </p:spTree>
+    <p:extLst>
+      <p:ext uri="{BB962C8B-B14F-4D97-AF65-F5344CB8AC3E}">
+        <p14:creationId xmlns:p14="http://schemas.microsoft.com/office/powerpoint/2010/main" val="3798874172"/>
+      </p:ext>
+    </p:extLst>
+  </p:cSld>
+  <p:clrMapOvr>
+    <a:masterClrMapping/>
+  </p:clrMapOvr>
+</p:sld>
+</file>
+
+<file path=ppt/slides/slide11.xml><?xml version="1.0" encoding="utf-8"?>
+<p:sld xmlns:a="http://schemas.openxmlformats.org/drawingml/2006/main" xmlns:r="http://schemas.openxmlformats.org/officeDocument/2006/relationships" xmlns:p="http://schemas.openxmlformats.org/presentationml/2006/main">
+  <p:cSld>
+    <p:spTree>
+      <p:nvGrpSpPr>
+        <p:cNvPr id="1" name=""/>
+        <p:cNvGrpSpPr/>
+        <p:nvPr/>
+      </p:nvGrpSpPr>
+      <p:grpSpPr>
+        <a:xfrm>
+          <a:off x="0" y="0"/>
+          <a:ext cx="0" cy="0"/>
+          <a:chOff x="0" y="0"/>
+          <a:chExt cx="0" cy="0"/>
+        </a:xfrm>
+      </p:grpSpPr>
+      <p:sp>
+        <p:nvSpPr>
+          <p:cNvPr id="2" name="标题 1">
+            <a:extLst>
+              <a:ext uri="{FF2B5EF4-FFF2-40B4-BE49-F238E27FC236}">
+                <a16:creationId xmlns:a16="http://schemas.microsoft.com/office/drawing/2014/main" id="{F1F6ACF1-6798-4FBF-9544-EC9DB9B1433B}"/>
+              </a:ext>
+            </a:extLst>
+          </p:cNvPr>
+          <p:cNvSpPr>
+            <a:spLocks noGrp="1"/>
+          </p:cNvSpPr>
+          <p:nvPr>
+            <p:ph type="title"/>
+          </p:nvPr>
+        </p:nvSpPr>
+        <p:spPr/>
+        <p:txBody>
+          <a:bodyPr/>
+          <a:lstStyle/>
+          <a:p>
+            <a:r>
+              <a:rPr lang="en-US" altLang="zh-CN" dirty="0"/>
+              <a:t>Measurer DB</a:t>
+            </a:r>
+            <a:endParaRPr lang="zh-CN" altLang="en-US" dirty="0"/>
+          </a:p>
+        </p:txBody>
+      </p:sp>
+      <p:sp>
+        <p:nvSpPr>
+          <p:cNvPr id="3" name="内容占位符 2">
+            <a:extLst>
+              <a:ext uri="{FF2B5EF4-FFF2-40B4-BE49-F238E27FC236}">
+                <a16:creationId xmlns:a16="http://schemas.microsoft.com/office/drawing/2014/main" id="{EEB030F8-0613-4A1B-817E-3D9534780E1B}"/>
+              </a:ext>
+            </a:extLst>
+          </p:cNvPr>
+          <p:cNvSpPr>
+            <a:spLocks noGrp="1"/>
+          </p:cNvSpPr>
+          <p:nvPr>
+            <p:ph idx="1"/>
+          </p:nvPr>
+        </p:nvSpPr>
+        <p:spPr/>
+        <p:txBody>
+          <a:bodyPr/>
+          <a:lstStyle/>
+          <a:p>
+            <a:pPr marL="285750" indent="-285750"/>
+            <a:r>
+              <a:rPr lang="en-US" altLang="zh-CN" sz="3200" dirty="0"/>
+              <a:t>Switches Table</a:t>
+            </a:r>
+          </a:p>
+          <a:p>
+            <a:pPr marL="285750" indent="-285750"/>
+            <a:r>
+              <a:rPr lang="en-US" altLang="zh-CN" sz="3200" dirty="0"/>
+              <a:t>Links Table</a:t>
+            </a:r>
+          </a:p>
+          <a:p>
+            <a:pPr marL="285750" indent="-285750"/>
+            <a:r>
+              <a:rPr lang="en-US" altLang="zh-CN" sz="3200" dirty="0"/>
+              <a:t>Servers Table</a:t>
+            </a:r>
+          </a:p>
+          <a:p>
+            <a:pPr marL="285750" indent="-285750"/>
+            <a:endParaRPr lang="en-US" altLang="zh-CN" sz="3200" dirty="0"/>
+          </a:p>
+          <a:p>
+            <a:pPr marL="285750" indent="-285750"/>
+            <a:r>
+              <a:rPr lang="en-US" altLang="zh-CN" sz="3200" dirty="0"/>
+              <a:t>R/W SFCI Table from Orchestrator DB</a:t>
+            </a:r>
+          </a:p>
+          <a:p>
+            <a:endParaRPr lang="zh-CN" altLang="en-US" dirty="0"/>
+          </a:p>
+        </p:txBody>
+      </p:sp>
+    </p:spTree>
+    <p:extLst>
+      <p:ext uri="{BB962C8B-B14F-4D97-AF65-F5344CB8AC3E}">
+        <p14:creationId xmlns:p14="http://schemas.microsoft.com/office/powerpoint/2010/main" val="514997175"/>
+      </p:ext>
+    </p:extLst>
+  </p:cSld>
+  <p:clrMapOvr>
+    <a:masterClrMapping/>
+  </p:clrMapOvr>
+</p:sld>
+</file>
+
+<file path=ppt/slides/slide12.xml><?xml version="1.0" encoding="utf-8"?>
+<p:sld xmlns:a="http://schemas.openxmlformats.org/drawingml/2006/main" xmlns:r="http://schemas.openxmlformats.org/officeDocument/2006/relationships" xmlns:p="http://schemas.openxmlformats.org/presentationml/2006/main">
+  <p:cSld>
+    <p:spTree>
+      <p:nvGrpSpPr>
+        <p:cNvPr id="1" name=""/>
+        <p:cNvGrpSpPr/>
+        <p:nvPr/>
+      </p:nvGrpSpPr>
+      <p:grpSpPr>
+        <a:xfrm>
+          <a:off x="0" y="0"/>
+          <a:ext cx="0" cy="0"/>
+          <a:chOff x="0" y="0"/>
+          <a:chExt cx="0" cy="0"/>
+        </a:xfrm>
+      </p:grpSpPr>
+      <p:sp>
+        <p:nvSpPr>
+          <p:cNvPr id="2" name="标题 1">
+            <a:extLst>
+              <a:ext uri="{FF2B5EF4-FFF2-40B4-BE49-F238E27FC236}">
+                <a16:creationId xmlns:a16="http://schemas.microsoft.com/office/drawing/2014/main" id="{772A7124-A3FA-486B-B437-35D6BE4EAAF6}"/>
+              </a:ext>
+            </a:extLst>
+          </p:cNvPr>
+          <p:cNvSpPr>
+            <a:spLocks noGrp="1"/>
+          </p:cNvSpPr>
+          <p:nvPr>
+            <p:ph type="title"/>
+          </p:nvPr>
+        </p:nvSpPr>
+        <p:spPr/>
+        <p:txBody>
+          <a:bodyPr/>
+          <a:lstStyle/>
+          <a:p>
+            <a:r>
+              <a:rPr lang="en-US" altLang="zh-CN" dirty="0"/>
+              <a:t>Switches Table</a:t>
+            </a:r>
+            <a:endParaRPr lang="zh-CN" altLang="en-US" dirty="0"/>
+          </a:p>
+        </p:txBody>
+      </p:sp>
+      <p:sp>
+        <p:nvSpPr>
+          <p:cNvPr id="3" name="内容占位符 2">
+            <a:extLst>
+              <a:ext uri="{FF2B5EF4-FFF2-40B4-BE49-F238E27FC236}">
+                <a16:creationId xmlns:a16="http://schemas.microsoft.com/office/drawing/2014/main" id="{FCDF41D7-80A2-43AB-A6FF-244A9A9620C4}"/>
+              </a:ext>
+            </a:extLst>
+          </p:cNvPr>
+          <p:cNvSpPr>
+            <a:spLocks noGrp="1"/>
+          </p:cNvSpPr>
+          <p:nvPr>
+            <p:ph idx="1"/>
+          </p:nvPr>
+        </p:nvSpPr>
+        <p:spPr/>
+        <p:txBody>
+          <a:bodyPr/>
+          <a:lstStyle/>
+          <a:p>
+            <a:r>
+              <a:rPr lang="en-US" altLang="zh-CN" dirty="0"/>
+              <a:t>switch id(index), reserved FIB, pickle</a:t>
+            </a:r>
+          </a:p>
+          <a:p>
+            <a:endParaRPr lang="zh-CN" altLang="en-US" dirty="0"/>
+          </a:p>
+        </p:txBody>
+      </p:sp>
+    </p:spTree>
+    <p:extLst>
+      <p:ext uri="{BB962C8B-B14F-4D97-AF65-F5344CB8AC3E}">
+        <p14:creationId xmlns:p14="http://schemas.microsoft.com/office/powerpoint/2010/main" val="2397186495"/>
+      </p:ext>
+    </p:extLst>
+  </p:cSld>
+  <p:clrMapOvr>
+    <a:masterClrMapping/>
+  </p:clrMapOvr>
+</p:sld>
+</file>
+
+<file path=ppt/slides/slide13.xml><?xml version="1.0" encoding="utf-8"?>
+<p:sld xmlns:a="http://schemas.openxmlformats.org/drawingml/2006/main" xmlns:r="http://schemas.openxmlformats.org/officeDocument/2006/relationships" xmlns:p="http://schemas.openxmlformats.org/presentationml/2006/main">
+  <p:cSld>
+    <p:spTree>
+      <p:nvGrpSpPr>
+        <p:cNvPr id="1" name=""/>
+        <p:cNvGrpSpPr/>
+        <p:nvPr/>
+      </p:nvGrpSpPr>
+      <p:grpSpPr>
+        <a:xfrm>
+          <a:off x="0" y="0"/>
+          <a:ext cx="0" cy="0"/>
+          <a:chOff x="0" y="0"/>
+          <a:chExt cx="0" cy="0"/>
+        </a:xfrm>
+      </p:grpSpPr>
+      <p:sp>
+        <p:nvSpPr>
+          <p:cNvPr id="2" name="标题 1">
+            <a:extLst>
+              <a:ext uri="{FF2B5EF4-FFF2-40B4-BE49-F238E27FC236}">
+                <a16:creationId xmlns:a16="http://schemas.microsoft.com/office/drawing/2014/main" id="{772A7124-A3FA-486B-B437-35D6BE4EAAF6}"/>
+              </a:ext>
+            </a:extLst>
+          </p:cNvPr>
+          <p:cNvSpPr>
+            <a:spLocks noGrp="1"/>
+          </p:cNvSpPr>
+          <p:nvPr>
+            <p:ph type="title"/>
+          </p:nvPr>
+        </p:nvSpPr>
+        <p:spPr/>
+        <p:txBody>
+          <a:bodyPr/>
+          <a:lstStyle/>
+          <a:p>
+            <a:r>
+              <a:rPr lang="en-US" altLang="zh-CN" dirty="0"/>
+              <a:t>DCN Gateway Table</a:t>
+            </a:r>
+          </a:p>
+        </p:txBody>
+      </p:sp>
+      <p:sp>
+        <p:nvSpPr>
+          <p:cNvPr id="3" name="内容占位符 2">
+            <a:extLst>
+              <a:ext uri="{FF2B5EF4-FFF2-40B4-BE49-F238E27FC236}">
+                <a16:creationId xmlns:a16="http://schemas.microsoft.com/office/drawing/2014/main" id="{FCDF41D7-80A2-43AB-A6FF-244A9A9620C4}"/>
+              </a:ext>
+            </a:extLst>
+          </p:cNvPr>
+          <p:cNvSpPr>
+            <a:spLocks noGrp="1"/>
+          </p:cNvSpPr>
+          <p:nvPr>
+            <p:ph idx="1"/>
+          </p:nvPr>
+        </p:nvSpPr>
+        <p:spPr/>
+        <p:txBody>
+          <a:bodyPr/>
+          <a:lstStyle/>
+          <a:p>
+            <a:r>
+              <a:rPr lang="en-US" altLang="zh-CN" dirty="0"/>
+              <a:t>switch id(index), role</a:t>
+            </a:r>
+          </a:p>
+          <a:p>
+            <a:pPr lvl="1"/>
+            <a:r>
+              <a:rPr lang="en-US" altLang="zh-CN" dirty="0"/>
+              <a:t>Role: default/backup</a:t>
+            </a:r>
+            <a:endParaRPr lang="zh-CN" altLang="en-US" dirty="0"/>
+          </a:p>
+        </p:txBody>
+      </p:sp>
+    </p:spTree>
+    <p:extLst>
+      <p:ext uri="{BB962C8B-B14F-4D97-AF65-F5344CB8AC3E}">
+        <p14:creationId xmlns:p14="http://schemas.microsoft.com/office/powerpoint/2010/main" val="402297645"/>
+      </p:ext>
+    </p:extLst>
+  </p:cSld>
+  <p:clrMapOvr>
+    <a:masterClrMapping/>
+  </p:clrMapOvr>
+</p:sld>
+</file>
+
+<file path=ppt/slides/slide14.xml><?xml version="1.0" encoding="utf-8"?>
+<p:sld xmlns:a="http://schemas.openxmlformats.org/drawingml/2006/main" xmlns:r="http://schemas.openxmlformats.org/officeDocument/2006/relationships" xmlns:p="http://schemas.openxmlformats.org/presentationml/2006/main">
+  <p:cSld>
+    <p:spTree>
+      <p:nvGrpSpPr>
+        <p:cNvPr id="1" name=""/>
+        <p:cNvGrpSpPr/>
+        <p:nvPr/>
+      </p:nvGrpSpPr>
+      <p:grpSpPr>
+        <a:xfrm>
+          <a:off x="0" y="0"/>
+          <a:ext cx="0" cy="0"/>
+          <a:chOff x="0" y="0"/>
+          <a:chExt cx="0" cy="0"/>
+        </a:xfrm>
+      </p:grpSpPr>
+      <p:sp>
+        <p:nvSpPr>
+          <p:cNvPr id="2" name="标题 1">
+            <a:extLst>
+              <a:ext uri="{FF2B5EF4-FFF2-40B4-BE49-F238E27FC236}">
+                <a16:creationId xmlns:a16="http://schemas.microsoft.com/office/drawing/2014/main" id="{772A7124-A3FA-486B-B437-35D6BE4EAAF6}"/>
+              </a:ext>
+            </a:extLst>
+          </p:cNvPr>
+          <p:cNvSpPr>
+            <a:spLocks noGrp="1"/>
+          </p:cNvSpPr>
+          <p:nvPr>
+            <p:ph type="title"/>
+          </p:nvPr>
+        </p:nvSpPr>
+        <p:spPr/>
+        <p:txBody>
+          <a:bodyPr/>
+          <a:lstStyle/>
+          <a:p>
+            <a:r>
+              <a:rPr lang="en-US" altLang="zh-CN" dirty="0"/>
+              <a:t>Servers Table</a:t>
+            </a:r>
+            <a:endParaRPr lang="zh-CN" altLang="en-US" dirty="0"/>
+          </a:p>
+        </p:txBody>
+      </p:sp>
+      <p:sp>
+        <p:nvSpPr>
+          <p:cNvPr id="3" name="内容占位符 2">
+            <a:extLst>
+              <a:ext uri="{FF2B5EF4-FFF2-40B4-BE49-F238E27FC236}">
+                <a16:creationId xmlns:a16="http://schemas.microsoft.com/office/drawing/2014/main" id="{FCDF41D7-80A2-43AB-A6FF-244A9A9620C4}"/>
+              </a:ext>
+            </a:extLst>
+          </p:cNvPr>
+          <p:cNvSpPr>
+            <a:spLocks noGrp="1"/>
+          </p:cNvSpPr>
+          <p:nvPr>
+            <p:ph idx="1"/>
+          </p:nvPr>
+        </p:nvSpPr>
+        <p:spPr/>
+        <p:txBody>
+          <a:bodyPr/>
+          <a:lstStyle/>
+          <a:p>
+            <a:r>
+              <a:rPr lang="en-US" altLang="zh-CN" dirty="0"/>
+              <a:t>server id(index), reserved CPU core, reserved mem, reserved NIC bandwidth, pickle</a:t>
+            </a:r>
+            <a:endParaRPr lang="zh-CN" altLang="en-US" dirty="0"/>
+          </a:p>
+        </p:txBody>
+      </p:sp>
+    </p:spTree>
+    <p:extLst>
+      <p:ext uri="{BB962C8B-B14F-4D97-AF65-F5344CB8AC3E}">
+        <p14:creationId xmlns:p14="http://schemas.microsoft.com/office/powerpoint/2010/main" val="893081048"/>
+      </p:ext>
+    </p:extLst>
+  </p:cSld>
+  <p:clrMapOvr>
+    <a:masterClrMapping/>
+  </p:clrMapOvr>
+</p:sld>
+</file>
+
+<file path=ppt/slides/slide15.xml><?xml version="1.0" encoding="utf-8"?>
+<p:sld xmlns:a="http://schemas.openxmlformats.org/drawingml/2006/main" xmlns:r="http://schemas.openxmlformats.org/officeDocument/2006/relationships" xmlns:p="http://schemas.openxmlformats.org/presentationml/2006/main">
+  <p:cSld>
+    <p:spTree>
+      <p:nvGrpSpPr>
+        <p:cNvPr id="1" name=""/>
+        <p:cNvGrpSpPr/>
+        <p:nvPr/>
+      </p:nvGrpSpPr>
+      <p:grpSpPr>
+        <a:xfrm>
+          <a:off x="0" y="0"/>
+          <a:ext cx="0" cy="0"/>
+          <a:chOff x="0" y="0"/>
+          <a:chExt cx="0" cy="0"/>
+        </a:xfrm>
+      </p:grpSpPr>
+      <p:sp>
+        <p:nvSpPr>
+          <p:cNvPr id="2" name="标题 1">
+            <a:extLst>
+              <a:ext uri="{FF2B5EF4-FFF2-40B4-BE49-F238E27FC236}">
+                <a16:creationId xmlns:a16="http://schemas.microsoft.com/office/drawing/2014/main" id="{772A7124-A3FA-486B-B437-35D6BE4EAAF6}"/>
+              </a:ext>
+            </a:extLst>
+          </p:cNvPr>
+          <p:cNvSpPr>
+            <a:spLocks noGrp="1"/>
+          </p:cNvSpPr>
+          <p:nvPr>
+            <p:ph type="title"/>
+          </p:nvPr>
+        </p:nvSpPr>
+        <p:spPr/>
+        <p:txBody>
+          <a:bodyPr/>
+          <a:lstStyle/>
+          <a:p>
+            <a:r>
+              <a:rPr lang="en-US" altLang="zh-CN" dirty="0"/>
+              <a:t>Links Table</a:t>
+            </a:r>
+            <a:endParaRPr lang="zh-CN" altLang="en-US" dirty="0"/>
+          </a:p>
+        </p:txBody>
+      </p:sp>
+      <p:sp>
+        <p:nvSpPr>
+          <p:cNvPr id="3" name="内容占位符 2">
+            <a:extLst>
+              <a:ext uri="{FF2B5EF4-FFF2-40B4-BE49-F238E27FC236}">
+                <a16:creationId xmlns:a16="http://schemas.microsoft.com/office/drawing/2014/main" id="{FCDF41D7-80A2-43AB-A6FF-244A9A9620C4}"/>
+              </a:ext>
+            </a:extLst>
+          </p:cNvPr>
+          <p:cNvSpPr>
+            <a:spLocks noGrp="1"/>
+          </p:cNvSpPr>
+          <p:nvPr>
+            <p:ph idx="1"/>
+          </p:nvPr>
+        </p:nvSpPr>
+        <p:spPr/>
+        <p:txBody>
+          <a:bodyPr/>
+          <a:lstStyle/>
+          <a:p>
+            <a:r>
+              <a:rPr lang="en-US" altLang="zh-CN" dirty="0"/>
+              <a:t>link index(index), </a:t>
+            </a:r>
+            <a:r>
+              <a:rPr lang="en-US" altLang="zh-CN" dirty="0" err="1"/>
+              <a:t>srcID</a:t>
+            </a:r>
+            <a:r>
+              <a:rPr lang="en-US" altLang="zh-CN" dirty="0"/>
+              <a:t>, </a:t>
+            </a:r>
+            <a:r>
+              <a:rPr lang="en-US" altLang="zh-CN" dirty="0" err="1"/>
+              <a:t>dstID</a:t>
+            </a:r>
+            <a:r>
+              <a:rPr lang="en-US" altLang="zh-CN" dirty="0"/>
+              <a:t>, reserved bandwidth, pickle</a:t>
+            </a:r>
+          </a:p>
+        </p:txBody>
+      </p:sp>
+    </p:spTree>
+    <p:extLst>
+      <p:ext uri="{BB962C8B-B14F-4D97-AF65-F5344CB8AC3E}">
+        <p14:creationId xmlns:p14="http://schemas.microsoft.com/office/powerpoint/2010/main" val="3272614135"/>
+      </p:ext>
+    </p:extLst>
+  </p:cSld>
+  <p:clrMapOvr>
+    <a:masterClrMapping/>
+  </p:clrMapOvr>
+</p:sld>
+</file>
+
+<file path=ppt/slides/slide16.xml><?xml version="1.0" encoding="utf-8"?>
+<p:sld xmlns:a="http://schemas.openxmlformats.org/drawingml/2006/main" xmlns:r="http://schemas.openxmlformats.org/officeDocument/2006/relationships" xmlns:p="http://schemas.openxmlformats.org/presentationml/2006/main">
+  <p:cSld>
+    <p:spTree>
+      <p:nvGrpSpPr>
+        <p:cNvPr id="1" name=""/>
+        <p:cNvGrpSpPr/>
+        <p:nvPr/>
+      </p:nvGrpSpPr>
+      <p:grpSpPr>
+        <a:xfrm>
+          <a:off x="0" y="0"/>
+          <a:ext cx="0" cy="0"/>
+          <a:chOff x="0" y="0"/>
+          <a:chExt cx="0" cy="0"/>
+        </a:xfrm>
+      </p:grpSpPr>
+      <p:sp>
+        <p:nvSpPr>
+          <p:cNvPr id="2" name="标题 1">
+            <a:extLst>
+              <a:ext uri="{FF2B5EF4-FFF2-40B4-BE49-F238E27FC236}">
+                <a16:creationId xmlns:a16="http://schemas.microsoft.com/office/drawing/2014/main" id="{B125FCA9-7D09-4440-B8E8-35ACD6EE4BCD}"/>
+              </a:ext>
+            </a:extLst>
+          </p:cNvPr>
+          <p:cNvSpPr>
+            <a:spLocks noGrp="1"/>
+          </p:cNvSpPr>
+          <p:nvPr>
+            <p:ph type="title"/>
+          </p:nvPr>
+        </p:nvSpPr>
+        <p:spPr/>
+        <p:txBody>
+          <a:bodyPr/>
+          <a:lstStyle/>
+          <a:p>
+            <a:r>
+              <a:rPr lang="en-US" altLang="zh-CN" dirty="0"/>
+              <a:t>Optional DB (e.g. mediator DB)</a:t>
+            </a:r>
+            <a:endParaRPr lang="zh-CN" altLang="en-US" dirty="0"/>
+          </a:p>
+        </p:txBody>
+      </p:sp>
+      <p:sp>
+        <p:nvSpPr>
+          <p:cNvPr id="3" name="内容占位符 2">
+            <a:extLst>
+              <a:ext uri="{FF2B5EF4-FFF2-40B4-BE49-F238E27FC236}">
+                <a16:creationId xmlns:a16="http://schemas.microsoft.com/office/drawing/2014/main" id="{E1F61770-68C7-44EC-BC30-8C18069071E1}"/>
+              </a:ext>
+            </a:extLst>
+          </p:cNvPr>
+          <p:cNvSpPr>
+            <a:spLocks noGrp="1"/>
+          </p:cNvSpPr>
+          <p:nvPr>
+            <p:ph idx="1"/>
+          </p:nvPr>
+        </p:nvSpPr>
+        <p:spPr/>
+        <p:txBody>
+          <a:bodyPr/>
+          <a:lstStyle/>
+          <a:p>
+            <a:r>
+              <a:rPr lang="en-US" altLang="zh-CN" dirty="0"/>
+              <a:t>Command Table: </a:t>
+            </a:r>
+            <a:r>
+              <a:rPr lang="en-US" altLang="zh-CN" dirty="0" err="1"/>
+              <a:t>cmd</a:t>
+            </a:r>
+            <a:endParaRPr lang="zh-CN" altLang="en-US" dirty="0"/>
+          </a:p>
+        </p:txBody>
+      </p:sp>
+    </p:spTree>
+    <p:extLst>
+      <p:ext uri="{BB962C8B-B14F-4D97-AF65-F5344CB8AC3E}">
+        <p14:creationId xmlns:p14="http://schemas.microsoft.com/office/powerpoint/2010/main" val="2865485180"/>
       </p:ext>
     </p:extLst>
   </p:cSld>
@@ -3422,7 +4101,7 @@
           <p:cNvPr id="2" name="标题 1">
             <a:extLst>
               <a:ext uri="{FF2B5EF4-FFF2-40B4-BE49-F238E27FC236}">
-                <a16:creationId xmlns:a16="http://schemas.microsoft.com/office/drawing/2014/main" id="{772A7124-A3FA-486B-B437-35D6BE4EAAF6}"/>
+                <a16:creationId xmlns:a16="http://schemas.microsoft.com/office/drawing/2014/main" id="{D3C0D381-BCB9-4A99-B030-00F6DBDE40AE}"/>
               </a:ext>
             </a:extLst>
           </p:cNvPr>
@@ -3440,7 +4119,7 @@
           <a:p>
             <a:r>
               <a:rPr lang="en-US" altLang="zh-CN" dirty="0"/>
-              <a:t>User Table</a:t>
+              <a:t>Databases</a:t>
             </a:r>
             <a:endParaRPr lang="zh-CN" altLang="en-US" dirty="0"/>
           </a:p>
@@ -3451,7 +4130,7 @@
           <p:cNvPr id="3" name="内容占位符 2">
             <a:extLst>
               <a:ext uri="{FF2B5EF4-FFF2-40B4-BE49-F238E27FC236}">
-                <a16:creationId xmlns:a16="http://schemas.microsoft.com/office/drawing/2014/main" id="{FCDF41D7-80A2-43AB-A6FF-244A9A9620C4}"/>
+                <a16:creationId xmlns:a16="http://schemas.microsoft.com/office/drawing/2014/main" id="{77B5F8B9-F541-41E5-B6C2-8D4CA44419A8}"/>
               </a:ext>
             </a:extLst>
           </p:cNvPr>
@@ -3464,21 +4143,91 @@
         </p:nvSpPr>
         <p:spPr/>
         <p:txBody>
-          <a:bodyPr/>
-          <a:lstStyle/>
-          <a:p>
-            <a:r>
-              <a:rPr lang="en-US" altLang="zh-CN" dirty="0"/>
-              <a:t>User id, user type</a:t>
-            </a:r>
-            <a:endParaRPr lang="zh-CN" altLang="en-US" dirty="0"/>
+          <a:bodyPr>
+            <a:normAutofit lnSpcReduction="10000"/>
+          </a:bodyPr>
+          <a:lstStyle/>
+          <a:p>
+            <a:r>
+              <a:rPr lang="en-US" altLang="zh-CN" dirty="0"/>
+              <a:t>Mandatory</a:t>
+            </a:r>
+          </a:p>
+          <a:p>
+            <a:pPr lvl="1"/>
+            <a:r>
+              <a:rPr lang="en-US" altLang="zh-CN" dirty="0"/>
+              <a:t>Dashboard database</a:t>
+            </a:r>
+          </a:p>
+          <a:p>
+            <a:pPr lvl="1"/>
+            <a:r>
+              <a:rPr lang="en-US" altLang="zh-CN" dirty="0"/>
+              <a:t>Orchestrator database</a:t>
+            </a:r>
+          </a:p>
+          <a:p>
+            <a:pPr lvl="1"/>
+            <a:r>
+              <a:rPr lang="en-US" altLang="zh-CN" dirty="0"/>
+              <a:t>Measurer database (requirement: 40,000 row/5s)</a:t>
+            </a:r>
+          </a:p>
+          <a:p>
+            <a:r>
+              <a:rPr lang="en-US" altLang="zh-CN" dirty="0"/>
+              <a:t>Optional</a:t>
+            </a:r>
+          </a:p>
+          <a:p>
+            <a:pPr lvl="1"/>
+            <a:r>
+              <a:rPr lang="en-US" altLang="zh-CN" dirty="0"/>
+              <a:t>Mediator database</a:t>
+            </a:r>
+          </a:p>
+          <a:p>
+            <a:pPr lvl="1"/>
+            <a:r>
+              <a:rPr lang="en-US" altLang="zh-CN" dirty="0"/>
+              <a:t>Server Manager database</a:t>
+            </a:r>
+          </a:p>
+          <a:p>
+            <a:pPr lvl="1"/>
+            <a:r>
+              <a:rPr lang="en-US" altLang="zh-CN" dirty="0"/>
+              <a:t>SFF Controller database</a:t>
+            </a:r>
+          </a:p>
+          <a:p>
+            <a:pPr lvl="1"/>
+            <a:r>
+              <a:rPr lang="en-US" altLang="zh-CN" dirty="0"/>
+              <a:t>Classifier Controller database</a:t>
+            </a:r>
+          </a:p>
+          <a:p>
+            <a:pPr lvl="1"/>
+            <a:r>
+              <a:rPr lang="en-US" altLang="zh-CN" dirty="0"/>
+              <a:t>VNF Controller database</a:t>
+            </a:r>
+          </a:p>
+          <a:p>
+            <a:pPr lvl="1"/>
+            <a:r>
+              <a:rPr lang="en-US" altLang="zh-CN" dirty="0"/>
+              <a:t>Network Controller database</a:t>
+            </a:r>
           </a:p>
         </p:txBody>
       </p:sp>
     </p:spTree>
     <p:extLst>
       <p:ext uri="{BB962C8B-B14F-4D97-AF65-F5344CB8AC3E}">
-        <p14:creationId xmlns:p14="http://schemas.microsoft.com/office/powerpoint/2010/main" val="1618930000"/>
+        <p14:creationId xmlns:p14="http://schemas.microsoft.com/office/powerpoint/2010/main" val="1060197917"/>
       </p:ext>
     </p:extLst>
   </p:cSld>
@@ -3510,7 +4259,7 @@
           <p:cNvPr id="2" name="标题 1">
             <a:extLst>
               <a:ext uri="{FF2B5EF4-FFF2-40B4-BE49-F238E27FC236}">
-                <a16:creationId xmlns:a16="http://schemas.microsoft.com/office/drawing/2014/main" id="{772A7124-A3FA-486B-B437-35D6BE4EAAF6}"/>
+                <a16:creationId xmlns:a16="http://schemas.microsoft.com/office/drawing/2014/main" id="{14F9CE14-1686-4A99-8E66-D8CBF3439283}"/>
               </a:ext>
             </a:extLst>
           </p:cNvPr>
@@ -3527,12 +4276,8 @@
           <a:lstStyle/>
           <a:p>
             <a:r>
-              <a:rPr lang="en-US" altLang="zh-CN" dirty="0" err="1"/>
-              <a:t>SFCRequest</a:t>
-            </a:r>
-            <a:r>
-              <a:rPr lang="en-US" altLang="zh-CN" dirty="0"/>
-              <a:t> Table</a:t>
+              <a:rPr lang="en-US" altLang="zh-CN" dirty="0"/>
+              <a:t>Dashboard DB</a:t>
             </a:r>
             <a:endParaRPr lang="zh-CN" altLang="en-US" dirty="0"/>
           </a:p>
@@ -3543,7 +4288,7 @@
           <p:cNvPr id="3" name="内容占位符 2">
             <a:extLst>
               <a:ext uri="{FF2B5EF4-FFF2-40B4-BE49-F238E27FC236}">
-                <a16:creationId xmlns:a16="http://schemas.microsoft.com/office/drawing/2014/main" id="{FCDF41D7-80A2-43AB-A6FF-244A9A9620C4}"/>
+                <a16:creationId xmlns:a16="http://schemas.microsoft.com/office/drawing/2014/main" id="{83C9ECA6-4E67-4A65-AA06-3E21F4CDA9AC}"/>
               </a:ext>
             </a:extLst>
           </p:cNvPr>
@@ -3560,21 +4305,80 @@
           <a:lstStyle/>
           <a:p>
             <a:r>
-              <a:rPr lang="en-US" altLang="zh-CN" dirty="0" err="1"/>
-              <a:t>SFCRequest</a:t>
-            </a:r>
-            <a:r>
-              <a:rPr lang="en-US" altLang="zh-CN" dirty="0"/>
-              <a:t> </a:t>
-            </a:r>
-            <a:endParaRPr lang="zh-CN" altLang="en-US" dirty="0"/>
+              <a:rPr lang="en-US" altLang="zh-CN" dirty="0"/>
+              <a:t>User Table</a:t>
+            </a:r>
+          </a:p>
+          <a:p>
+            <a:pPr lvl="1"/>
+            <a:r>
+              <a:rPr lang="en-US" altLang="zh-CN" dirty="0"/>
+              <a:t>Check user input (</a:t>
+            </a:r>
+            <a:r>
+              <a:rPr lang="en-US" altLang="zh-CN" b="1" i="0" dirty="0" err="1">
+                <a:solidFill>
+                  <a:srgbClr val="434343"/>
+                </a:solidFill>
+                <a:effectLst/>
+                <a:latin typeface="Arial" panose="020B0604020202020204" pitchFamily="34" charset="0"/>
+              </a:rPr>
+              <a:t>sql</a:t>
+            </a:r>
+            <a:r>
+              <a:rPr lang="en-US" altLang="zh-CN" b="1" i="0" dirty="0">
+                <a:solidFill>
+                  <a:srgbClr val="434343"/>
+                </a:solidFill>
+                <a:effectLst/>
+                <a:latin typeface="Arial" panose="020B0604020202020204" pitchFamily="34" charset="0"/>
+              </a:rPr>
+              <a:t> injection attack</a:t>
+            </a:r>
+            <a:r>
+              <a:rPr lang="en-US" altLang="zh-CN" dirty="0"/>
+              <a:t>)</a:t>
+            </a:r>
+          </a:p>
+          <a:p>
+            <a:r>
+              <a:rPr lang="en-US" altLang="zh-CN" dirty="0"/>
+              <a:t>Zone Table</a:t>
+            </a:r>
+          </a:p>
+          <a:p>
+            <a:pPr lvl="1"/>
+            <a:r>
+              <a:rPr lang="en-US" altLang="zh-CN" dirty="0"/>
+              <a:t>Root can add zone</a:t>
+            </a:r>
+          </a:p>
+          <a:p>
+            <a:r>
+              <a:rPr lang="en-US" altLang="zh-CN" dirty="0"/>
+              <a:t>Routing Scheme Table</a:t>
+            </a:r>
+          </a:p>
+          <a:p>
+            <a:pPr lvl="1"/>
+            <a:r>
+              <a:rPr lang="en-US" altLang="zh-CN" dirty="0"/>
+              <a:t>First, root implement routing scheme in infrastructure</a:t>
+            </a:r>
+          </a:p>
+          <a:p>
+            <a:pPr lvl="1"/>
+            <a:r>
+              <a:rPr lang="en-US" altLang="zh-CN" dirty="0"/>
+              <a:t>Then, root add routing scheme</a:t>
+            </a:r>
           </a:p>
         </p:txBody>
       </p:sp>
     </p:spTree>
     <p:extLst>
       <p:ext uri="{BB962C8B-B14F-4D97-AF65-F5344CB8AC3E}">
-        <p14:creationId xmlns:p14="http://schemas.microsoft.com/office/powerpoint/2010/main" val="2510552990"/>
+        <p14:creationId xmlns:p14="http://schemas.microsoft.com/office/powerpoint/2010/main" val="1004694619"/>
       </p:ext>
     </p:extLst>
   </p:cSld>
@@ -3624,7 +4428,7 @@
           <a:p>
             <a:r>
               <a:rPr lang="en-US" altLang="zh-CN" dirty="0"/>
-              <a:t>SFCI Table</a:t>
+              <a:t>User Table</a:t>
             </a:r>
             <a:endParaRPr lang="zh-CN" altLang="en-US" dirty="0"/>
           </a:p>
@@ -3653,7 +4457,7 @@
           <a:p>
             <a:r>
               <a:rPr lang="en-US" altLang="zh-CN" dirty="0"/>
-              <a:t>SFCIID</a:t>
+              <a:t>user id(index), user type, user name, user passwd</a:t>
             </a:r>
             <a:endParaRPr lang="zh-CN" altLang="en-US" dirty="0"/>
           </a:p>
@@ -3662,7 +4466,7 @@
     </p:spTree>
     <p:extLst>
       <p:ext uri="{BB962C8B-B14F-4D97-AF65-F5344CB8AC3E}">
-        <p14:creationId xmlns:p14="http://schemas.microsoft.com/office/powerpoint/2010/main" val="3798874172"/>
+        <p14:creationId xmlns:p14="http://schemas.microsoft.com/office/powerpoint/2010/main" val="1618930000"/>
       </p:ext>
     </p:extLst>
   </p:cSld>
@@ -3694,7 +4498,7 @@
           <p:cNvPr id="2" name="标题 1">
             <a:extLst>
               <a:ext uri="{FF2B5EF4-FFF2-40B4-BE49-F238E27FC236}">
-                <a16:creationId xmlns:a16="http://schemas.microsoft.com/office/drawing/2014/main" id="{772A7124-A3FA-486B-B437-35D6BE4EAAF6}"/>
+                <a16:creationId xmlns:a16="http://schemas.microsoft.com/office/drawing/2014/main" id="{E706B550-0BC8-4179-A304-164AAF819D53}"/>
               </a:ext>
             </a:extLst>
           </p:cNvPr>
@@ -3712,7 +4516,7 @@
           <a:p>
             <a:r>
               <a:rPr lang="en-US" altLang="zh-CN" dirty="0"/>
-              <a:t>Switches Table</a:t>
+              <a:t>Zone Table</a:t>
             </a:r>
             <a:endParaRPr lang="zh-CN" altLang="en-US" dirty="0"/>
           </a:p>
@@ -3723,7 +4527,7 @@
           <p:cNvPr id="3" name="内容占位符 2">
             <a:extLst>
               <a:ext uri="{FF2B5EF4-FFF2-40B4-BE49-F238E27FC236}">
-                <a16:creationId xmlns:a16="http://schemas.microsoft.com/office/drawing/2014/main" id="{FCDF41D7-80A2-43AB-A6FF-244A9A9620C4}"/>
+                <a16:creationId xmlns:a16="http://schemas.microsoft.com/office/drawing/2014/main" id="{10038C01-CCF0-4FCE-83CF-C46F783F032C}"/>
               </a:ext>
             </a:extLst>
           </p:cNvPr>
@@ -3741,18 +4545,20 @@
           <a:p>
             <a:r>
               <a:rPr lang="en-US" altLang="zh-CN" dirty="0"/>
-              <a:t>switch id, switch type, </a:t>
+              <a:t>id(</a:t>
             </a:r>
             <a:r>
               <a:rPr lang="en-US" altLang="zh-CN" dirty="0" err="1"/>
-              <a:t>dpid</a:t>
-            </a:r>
-            <a:r>
-              <a:rPr lang="en-US" altLang="zh-CN" dirty="0"/>
-              <a:t>, net</a:t>
-            </a:r>
-          </a:p>
-          <a:p>
+              <a:t>pKey</a:t>
+            </a:r>
+            <a:r>
+              <a:rPr lang="en-US" altLang="zh-CN" dirty="0"/>
+              <a:t>), </a:t>
+            </a:r>
+            <a:r>
+              <a:rPr lang="en-US" altLang="zh-CN" dirty="0" err="1"/>
+              <a:t>Zone_Name</a:t>
+            </a:r>
             <a:endParaRPr lang="zh-CN" altLang="en-US" dirty="0"/>
           </a:p>
         </p:txBody>
@@ -3760,7 +4566,7 @@
     </p:spTree>
     <p:extLst>
       <p:ext uri="{BB962C8B-B14F-4D97-AF65-F5344CB8AC3E}">
-        <p14:creationId xmlns:p14="http://schemas.microsoft.com/office/powerpoint/2010/main" val="2397186495"/>
+        <p14:creationId xmlns:p14="http://schemas.microsoft.com/office/powerpoint/2010/main" val="27125387"/>
       </p:ext>
     </p:extLst>
   </p:cSld>
@@ -3792,7 +4598,7 @@
           <p:cNvPr id="2" name="标题 1">
             <a:extLst>
               <a:ext uri="{FF2B5EF4-FFF2-40B4-BE49-F238E27FC236}">
-                <a16:creationId xmlns:a16="http://schemas.microsoft.com/office/drawing/2014/main" id="{772A7124-A3FA-486B-B437-35D6BE4EAAF6}"/>
+                <a16:creationId xmlns:a16="http://schemas.microsoft.com/office/drawing/2014/main" id="{F8213D93-B52E-434E-8BC6-388346D90A2B}"/>
               </a:ext>
             </a:extLst>
           </p:cNvPr>
@@ -3810,8 +4616,9 @@
           <a:p>
             <a:r>
               <a:rPr lang="en-US" altLang="zh-CN" dirty="0"/>
-              <a:t>DCN Gateway Table</a:t>
-            </a:r>
+              <a:t>Routing Scheme Table</a:t>
+            </a:r>
+            <a:endParaRPr lang="zh-CN" altLang="en-US" dirty="0"/>
           </a:p>
         </p:txBody>
       </p:sp>
@@ -3820,7 +4627,7 @@
           <p:cNvPr id="3" name="内容占位符 2">
             <a:extLst>
               <a:ext uri="{FF2B5EF4-FFF2-40B4-BE49-F238E27FC236}">
-                <a16:creationId xmlns:a16="http://schemas.microsoft.com/office/drawing/2014/main" id="{FCDF41D7-80A2-43AB-A6FF-244A9A9620C4}"/>
+                <a16:creationId xmlns:a16="http://schemas.microsoft.com/office/drawing/2014/main" id="{4FA8FB41-E15B-4478-876C-F3F6BA3BEE61}"/>
               </a:ext>
             </a:extLst>
           </p:cNvPr>
@@ -3838,21 +4645,31 @@
           <a:p>
             <a:r>
               <a:rPr lang="en-US" altLang="zh-CN" dirty="0"/>
-              <a:t>switch id, status, role</a:t>
-            </a:r>
-          </a:p>
-          <a:p>
-            <a:pPr lvl="1"/>
-            <a:r>
-              <a:rPr lang="en-US" altLang="zh-CN" dirty="0"/>
-              <a:t>Status: active/inactive</a:t>
-            </a:r>
-          </a:p>
-          <a:p>
-            <a:pPr lvl="1"/>
-            <a:r>
-              <a:rPr lang="en-US" altLang="zh-CN" dirty="0"/>
-              <a:t>Role: default/backup</a:t>
+              <a:t>id(</a:t>
+            </a:r>
+            <a:r>
+              <a:rPr lang="en-US" altLang="zh-CN" dirty="0" err="1"/>
+              <a:t>pkey</a:t>
+            </a:r>
+            <a:r>
+              <a:rPr lang="en-US" altLang="zh-CN" dirty="0"/>
+              <a:t>), </a:t>
+            </a:r>
+            <a:r>
+              <a:rPr lang="en-US" altLang="zh-CN" dirty="0" err="1"/>
+              <a:t>Routing_Scheme_Name</a:t>
+            </a:r>
+            <a:r>
+              <a:rPr lang="en-US" altLang="zh-CN" dirty="0"/>
+              <a:t>, </a:t>
+            </a:r>
+            <a:r>
+              <a:rPr lang="en-US" altLang="zh-CN" dirty="0" err="1"/>
+              <a:t>Routing_Scheme</a:t>
+            </a:r>
+            <a:r>
+              <a:rPr lang="en-US" altLang="zh-CN" dirty="0"/>
+              <a:t>(pickle)</a:t>
             </a:r>
             <a:endParaRPr lang="zh-CN" altLang="en-US" dirty="0"/>
           </a:p>
@@ -3861,7 +4678,7 @@
     </p:spTree>
     <p:extLst>
       <p:ext uri="{BB962C8B-B14F-4D97-AF65-F5344CB8AC3E}">
-        <p14:creationId xmlns:p14="http://schemas.microsoft.com/office/powerpoint/2010/main" val="402297645"/>
+        <p14:creationId xmlns:p14="http://schemas.microsoft.com/office/powerpoint/2010/main" val="3275758466"/>
       </p:ext>
     </p:extLst>
   </p:cSld>
@@ -3893,7 +4710,7 @@
           <p:cNvPr id="2" name="标题 1">
             <a:extLst>
               <a:ext uri="{FF2B5EF4-FFF2-40B4-BE49-F238E27FC236}">
-                <a16:creationId xmlns:a16="http://schemas.microsoft.com/office/drawing/2014/main" id="{772A7124-A3FA-486B-B437-35D6BE4EAAF6}"/>
+                <a16:creationId xmlns:a16="http://schemas.microsoft.com/office/drawing/2014/main" id="{0AAA8C90-48CF-4246-901F-C0A879DC1639}"/>
               </a:ext>
             </a:extLst>
           </p:cNvPr>
@@ -3911,7 +4728,7 @@
           <a:p>
             <a:r>
               <a:rPr lang="en-US" altLang="zh-CN" dirty="0"/>
-              <a:t>Servers Table</a:t>
+              <a:t>Orchestrator DB</a:t>
             </a:r>
             <a:endParaRPr lang="zh-CN" altLang="en-US" dirty="0"/>
           </a:p>
@@ -3922,7 +4739,7 @@
           <p:cNvPr id="3" name="内容占位符 2">
             <a:extLst>
               <a:ext uri="{FF2B5EF4-FFF2-40B4-BE49-F238E27FC236}">
-                <a16:creationId xmlns:a16="http://schemas.microsoft.com/office/drawing/2014/main" id="{FCDF41D7-80A2-43AB-A6FF-244A9A9620C4}"/>
+                <a16:creationId xmlns:a16="http://schemas.microsoft.com/office/drawing/2014/main" id="{2998177A-6D0F-4E6F-AAD1-9DB5B85738E3}"/>
               </a:ext>
             </a:extLst>
           </p:cNvPr>
@@ -3938,105 +4755,69 @@
           <a:bodyPr/>
           <a:lstStyle/>
           <a:p>
-            <a:r>
-              <a:rPr lang="en-US" altLang="zh-CN" dirty="0"/>
-              <a:t>Server id, server type, server control </a:t>
-            </a:r>
-            <a:r>
-              <a:rPr lang="en-US" altLang="zh-CN" dirty="0" err="1"/>
-              <a:t>nic</a:t>
-            </a:r>
-            <a:r>
-              <a:rPr lang="en-US" altLang="zh-CN" dirty="0"/>
-              <a:t> mac, control </a:t>
-            </a:r>
-            <a:r>
-              <a:rPr lang="en-US" altLang="zh-CN" dirty="0" err="1"/>
-              <a:t>nic</a:t>
-            </a:r>
-            <a:r>
-              <a:rPr lang="en-US" altLang="zh-CN" dirty="0"/>
+            <a:pPr marL="285750" indent="-285750"/>
+            <a:r>
+              <a:rPr lang="en-US" altLang="zh-CN" sz="3200" dirty="0"/>
+              <a:t>Request Table:</a:t>
+            </a:r>
+            <a:r>
+              <a:rPr lang="zh-CN" altLang="en-US" sz="3200" dirty="0"/>
               <a:t> </a:t>
             </a:r>
             <a:r>
-              <a:rPr lang="en-US" altLang="zh-CN" dirty="0" err="1"/>
-              <a:t>ip</a:t>
-            </a:r>
-            <a:r>
-              <a:rPr lang="en-US" altLang="zh-CN" dirty="0"/>
-              <a:t>, </a:t>
-            </a:r>
-            <a:r>
-              <a:rPr lang="en-US" altLang="zh-CN" dirty="0" err="1"/>
-              <a:t>datapath</a:t>
-            </a:r>
-            <a:r>
-              <a:rPr lang="en-US" altLang="zh-CN" dirty="0"/>
-              <a:t> </a:t>
-            </a:r>
-            <a:r>
-              <a:rPr lang="en-US" altLang="zh-CN" dirty="0" err="1"/>
-              <a:t>nic</a:t>
-            </a:r>
-            <a:r>
-              <a:rPr lang="en-US" altLang="zh-CN" dirty="0"/>
-              <a:t> mac, </a:t>
-            </a:r>
-            <a:r>
-              <a:rPr lang="en-US" altLang="zh-CN" dirty="0" err="1"/>
-              <a:t>datapath</a:t>
-            </a:r>
-            <a:r>
-              <a:rPr lang="en-US" altLang="zh-CN" dirty="0"/>
-              <a:t> </a:t>
-            </a:r>
-            <a:r>
-              <a:rPr lang="en-US" altLang="zh-CN" dirty="0" err="1"/>
-              <a:t>nic</a:t>
-            </a:r>
-            <a:r>
-              <a:rPr lang="en-US" altLang="zh-CN" dirty="0"/>
-              <a:t> </a:t>
-            </a:r>
-            <a:r>
-              <a:rPr lang="en-US" altLang="zh-CN" dirty="0" err="1"/>
-              <a:t>ip</a:t>
-            </a:r>
-            <a:r>
-              <a:rPr lang="en-US" altLang="zh-CN" dirty="0"/>
-              <a:t>, ava </a:t>
-            </a:r>
-            <a:r>
-              <a:rPr lang="en-US" altLang="zh-CN" dirty="0" err="1"/>
-              <a:t>cpu</a:t>
-            </a:r>
-            <a:r>
-              <a:rPr lang="en-US" altLang="zh-CN" dirty="0"/>
-              <a:t>, ava mem</a:t>
-            </a:r>
-          </a:p>
-          <a:p>
-            <a:pPr lvl="1"/>
-            <a:r>
-              <a:rPr lang="en-US" altLang="zh-CN" dirty="0"/>
-              <a:t>Server Type: </a:t>
-            </a:r>
-            <a:r>
-              <a:rPr lang="en-US" altLang="zh-CN" dirty="0" err="1"/>
-              <a:t>nfvi</a:t>
-            </a:r>
-            <a:r>
-              <a:rPr lang="en-US" altLang="zh-CN" dirty="0"/>
-              <a:t>, classifier, normal (for website and other applications)</a:t>
-            </a:r>
-            <a:endParaRPr lang="zh-CN" altLang="en-US" dirty="0"/>
+              <a:rPr lang="en-US" altLang="zh-CN" sz="3200" dirty="0"/>
+              <a:t>Request</a:t>
+            </a:r>
+            <a:r>
+              <a:rPr lang="en-US" altLang="zh-CN" sz="3200" dirty="0">
+                <a:sym typeface="Wingdings" panose="05000000000000000000" pitchFamily="2" charset="2"/>
+              </a:rPr>
+              <a:t></a:t>
+            </a:r>
+            <a:r>
+              <a:rPr lang="en-US" altLang="zh-CN" sz="3200" dirty="0" err="1">
+                <a:sym typeface="Wingdings" panose="05000000000000000000" pitchFamily="2" charset="2"/>
+              </a:rPr>
+              <a:t>Cmd</a:t>
+            </a:r>
+            <a:r>
+              <a:rPr lang="en-US" altLang="zh-CN" sz="3200" dirty="0">
+                <a:sym typeface="Wingdings" panose="05000000000000000000" pitchFamily="2" charset="2"/>
+              </a:rPr>
+              <a:t> ID</a:t>
+            </a:r>
+            <a:endParaRPr lang="en-US" altLang="zh-CN" sz="3200" dirty="0"/>
+          </a:p>
+          <a:p>
+            <a:pPr marL="285750" indent="-285750"/>
+            <a:r>
+              <a:rPr lang="en-US" altLang="zh-CN" sz="3200" dirty="0"/>
+              <a:t>SFC Table: SFC </a:t>
+            </a:r>
+            <a:r>
+              <a:rPr lang="en-US" altLang="zh-CN" sz="3200" dirty="0">
+                <a:sym typeface="Wingdings" panose="05000000000000000000" pitchFamily="2" charset="2"/>
+              </a:rPr>
+              <a:t></a:t>
+            </a:r>
+            <a:r>
+              <a:rPr lang="en-US" altLang="zh-CN" sz="3200" dirty="0"/>
+              <a:t> SFCIID</a:t>
+            </a:r>
+          </a:p>
+          <a:p>
+            <a:pPr marL="285750" indent="-285750"/>
+            <a:r>
+              <a:rPr lang="en-US" altLang="zh-CN" sz="3200" dirty="0"/>
+              <a:t>SFCI Table: SFCI</a:t>
+            </a:r>
           </a:p>
         </p:txBody>
       </p:sp>
     </p:spTree>
     <p:extLst>
       <p:ext uri="{BB962C8B-B14F-4D97-AF65-F5344CB8AC3E}">
-        <p14:creationId xmlns:p14="http://schemas.microsoft.com/office/powerpoint/2010/main" val="893081048"/>
+        <p14:creationId xmlns:p14="http://schemas.microsoft.com/office/powerpoint/2010/main" val="3049719754"/>
       </p:ext>
     </p:extLst>
   </p:cSld>
@@ -4086,7 +4867,7 @@
           <a:p>
             <a:r>
               <a:rPr lang="en-US" altLang="zh-CN" dirty="0"/>
-              <a:t>Links Table</a:t>
+              <a:t>Request Table</a:t>
             </a:r>
             <a:endParaRPr lang="zh-CN" altLang="en-US" dirty="0"/>
           </a:p>
@@ -4114,23 +4895,37 @@
           <a:lstStyle/>
           <a:p>
             <a:r>
+              <a:rPr lang="en-US" altLang="zh-CN" dirty="0"/>
+              <a:t>Request id(</a:t>
+            </a:r>
+            <a:r>
+              <a:rPr lang="en-US" altLang="zh-CN"/>
+              <a:t>index), </a:t>
+            </a:r>
+            <a:r>
               <a:rPr lang="en-US" altLang="zh-CN" dirty="0" err="1"/>
-              <a:t>Src</a:t>
-            </a:r>
-            <a:r>
-              <a:rPr lang="en-US" altLang="zh-CN" dirty="0"/>
-              <a:t> node id, </a:t>
+              <a:t>sfc</a:t>
+            </a:r>
+            <a:r>
+              <a:rPr lang="en-US" altLang="zh-CN" dirty="0"/>
+              <a:t> id(index), </a:t>
             </a:r>
             <a:r>
               <a:rPr lang="en-US" altLang="zh-CN" dirty="0" err="1"/>
-              <a:t>dst</a:t>
-            </a:r>
-            <a:r>
-              <a:rPr lang="en-US" altLang="zh-CN" dirty="0"/>
-              <a:t> node id</a:t>
-            </a:r>
-          </a:p>
-          <a:p>
+              <a:t>sfci</a:t>
+            </a:r>
+            <a:r>
+              <a:rPr lang="en-US" altLang="zh-CN" dirty="0"/>
+              <a:t> id(index), </a:t>
+            </a:r>
+            <a:r>
+              <a:rPr lang="en-US" altLang="zh-CN" dirty="0" err="1"/>
+              <a:t>cmd</a:t>
+            </a:r>
+            <a:r>
+              <a:rPr lang="en-US" altLang="zh-CN" dirty="0"/>
+              <a:t> id(index), pickle</a:t>
+            </a:r>
             <a:endParaRPr lang="zh-CN" altLang="en-US" dirty="0"/>
           </a:p>
         </p:txBody>
@@ -4138,7 +4933,99 @@
     </p:spTree>
     <p:extLst>
       <p:ext uri="{BB962C8B-B14F-4D97-AF65-F5344CB8AC3E}">
-        <p14:creationId xmlns:p14="http://schemas.microsoft.com/office/powerpoint/2010/main" val="3272614135"/>
+        <p14:creationId xmlns:p14="http://schemas.microsoft.com/office/powerpoint/2010/main" val="2510552990"/>
+      </p:ext>
+    </p:extLst>
+  </p:cSld>
+  <p:clrMapOvr>
+    <a:masterClrMapping/>
+  </p:clrMapOvr>
+</p:sld>
+</file>
+
+<file path=ppt/slides/slide9.xml><?xml version="1.0" encoding="utf-8"?>
+<p:sld xmlns:a="http://schemas.openxmlformats.org/drawingml/2006/main" xmlns:r="http://schemas.openxmlformats.org/officeDocument/2006/relationships" xmlns:p="http://schemas.openxmlformats.org/presentationml/2006/main">
+  <p:cSld>
+    <p:spTree>
+      <p:nvGrpSpPr>
+        <p:cNvPr id="1" name=""/>
+        <p:cNvGrpSpPr/>
+        <p:nvPr/>
+      </p:nvGrpSpPr>
+      <p:grpSpPr>
+        <a:xfrm>
+          <a:off x="0" y="0"/>
+          <a:ext cx="0" cy="0"/>
+          <a:chOff x="0" y="0"/>
+          <a:chExt cx="0" cy="0"/>
+        </a:xfrm>
+      </p:grpSpPr>
+      <p:sp>
+        <p:nvSpPr>
+          <p:cNvPr id="2" name="标题 1">
+            <a:extLst>
+              <a:ext uri="{FF2B5EF4-FFF2-40B4-BE49-F238E27FC236}">
+                <a16:creationId xmlns:a16="http://schemas.microsoft.com/office/drawing/2014/main" id="{C7A165E7-6236-4E1E-B5C5-FEA6AD6858C0}"/>
+              </a:ext>
+            </a:extLst>
+          </p:cNvPr>
+          <p:cNvSpPr>
+            <a:spLocks noGrp="1"/>
+          </p:cNvSpPr>
+          <p:nvPr>
+            <p:ph type="title"/>
+          </p:nvPr>
+        </p:nvSpPr>
+        <p:spPr/>
+        <p:txBody>
+          <a:bodyPr/>
+          <a:lstStyle/>
+          <a:p>
+            <a:r>
+              <a:rPr lang="en-US" altLang="zh-CN" dirty="0"/>
+              <a:t>SFC Table</a:t>
+            </a:r>
+            <a:endParaRPr lang="zh-CN" altLang="en-US" dirty="0"/>
+          </a:p>
+        </p:txBody>
+      </p:sp>
+      <p:sp>
+        <p:nvSpPr>
+          <p:cNvPr id="3" name="内容占位符 2">
+            <a:extLst>
+              <a:ext uri="{FF2B5EF4-FFF2-40B4-BE49-F238E27FC236}">
+                <a16:creationId xmlns:a16="http://schemas.microsoft.com/office/drawing/2014/main" id="{4D618399-4933-49DA-9900-2E3482CBA809}"/>
+              </a:ext>
+            </a:extLst>
+          </p:cNvPr>
+          <p:cNvSpPr>
+            <a:spLocks noGrp="1"/>
+          </p:cNvSpPr>
+          <p:nvPr>
+            <p:ph idx="1"/>
+          </p:nvPr>
+        </p:nvSpPr>
+        <p:spPr/>
+        <p:txBody>
+          <a:bodyPr/>
+          <a:lstStyle/>
+          <a:p>
+            <a:r>
+              <a:rPr lang="en-US" altLang="zh-CN" dirty="0" err="1"/>
+              <a:t>sfcUUID</a:t>
+            </a:r>
+            <a:r>
+              <a:rPr lang="en-US" altLang="zh-CN" dirty="0"/>
+              <a:t>(index), SFCIID_LIST(text), State, pickle</a:t>
+            </a:r>
+            <a:endParaRPr lang="zh-CN" altLang="en-US" dirty="0"/>
+          </a:p>
+        </p:txBody>
+      </p:sp>
+    </p:spTree>
+    <p:extLst>
+      <p:ext uri="{BB962C8B-B14F-4D97-AF65-F5344CB8AC3E}">
+        <p14:creationId xmlns:p14="http://schemas.microsoft.com/office/powerpoint/2010/main" val="1059478629"/>
       </p:ext>
     </p:extLst>
   </p:cSld>

--- a/doc/SoftwareDesign/Database/databaseDesign.pptx
+++ b/doc/SoftwareDesign/Database/databaseDesign.pptx
@@ -274,7 +274,7 @@
           <a:p>
             <a:fld id="{9BD8E147-83C6-4BFC-A003-B6FF8377158A}" type="datetimeFigureOut">
               <a:rPr lang="zh-CN" altLang="en-US" smtClean="0"/>
-              <a:t>2020/12/03</a:t>
+              <a:t>2020/12/21</a:t>
             </a:fld>
             <a:endParaRPr lang="zh-CN" altLang="en-US"/>
           </a:p>
@@ -472,7 +472,7 @@
           <a:p>
             <a:fld id="{9BD8E147-83C6-4BFC-A003-B6FF8377158A}" type="datetimeFigureOut">
               <a:rPr lang="zh-CN" altLang="en-US" smtClean="0"/>
-              <a:t>2020/12/03</a:t>
+              <a:t>2020/12/21</a:t>
             </a:fld>
             <a:endParaRPr lang="zh-CN" altLang="en-US"/>
           </a:p>
@@ -680,7 +680,7 @@
           <a:p>
             <a:fld id="{9BD8E147-83C6-4BFC-A003-B6FF8377158A}" type="datetimeFigureOut">
               <a:rPr lang="zh-CN" altLang="en-US" smtClean="0"/>
-              <a:t>2020/12/03</a:t>
+              <a:t>2020/12/21</a:t>
             </a:fld>
             <a:endParaRPr lang="zh-CN" altLang="en-US"/>
           </a:p>
@@ -878,7 +878,7 @@
           <a:p>
             <a:fld id="{9BD8E147-83C6-4BFC-A003-B6FF8377158A}" type="datetimeFigureOut">
               <a:rPr lang="zh-CN" altLang="en-US" smtClean="0"/>
-              <a:t>2020/12/03</a:t>
+              <a:t>2020/12/21</a:t>
             </a:fld>
             <a:endParaRPr lang="zh-CN" altLang="en-US"/>
           </a:p>
@@ -1153,7 +1153,7 @@
           <a:p>
             <a:fld id="{9BD8E147-83C6-4BFC-A003-B6FF8377158A}" type="datetimeFigureOut">
               <a:rPr lang="zh-CN" altLang="en-US" smtClean="0"/>
-              <a:t>2020/12/03</a:t>
+              <a:t>2020/12/21</a:t>
             </a:fld>
             <a:endParaRPr lang="zh-CN" altLang="en-US"/>
           </a:p>
@@ -1418,7 +1418,7 @@
           <a:p>
             <a:fld id="{9BD8E147-83C6-4BFC-A003-B6FF8377158A}" type="datetimeFigureOut">
               <a:rPr lang="zh-CN" altLang="en-US" smtClean="0"/>
-              <a:t>2020/12/03</a:t>
+              <a:t>2020/12/21</a:t>
             </a:fld>
             <a:endParaRPr lang="zh-CN" altLang="en-US"/>
           </a:p>
@@ -1830,7 +1830,7 @@
           <a:p>
             <a:fld id="{9BD8E147-83C6-4BFC-A003-B6FF8377158A}" type="datetimeFigureOut">
               <a:rPr lang="zh-CN" altLang="en-US" smtClean="0"/>
-              <a:t>2020/12/03</a:t>
+              <a:t>2020/12/21</a:t>
             </a:fld>
             <a:endParaRPr lang="zh-CN" altLang="en-US"/>
           </a:p>
@@ -1971,7 +1971,7 @@
           <a:p>
             <a:fld id="{9BD8E147-83C6-4BFC-A003-B6FF8377158A}" type="datetimeFigureOut">
               <a:rPr lang="zh-CN" altLang="en-US" smtClean="0"/>
-              <a:t>2020/12/03</a:t>
+              <a:t>2020/12/21</a:t>
             </a:fld>
             <a:endParaRPr lang="zh-CN" altLang="en-US"/>
           </a:p>
@@ -2084,7 +2084,7 @@
           <a:p>
             <a:fld id="{9BD8E147-83C6-4BFC-A003-B6FF8377158A}" type="datetimeFigureOut">
               <a:rPr lang="zh-CN" altLang="en-US" smtClean="0"/>
-              <a:t>2020/12/03</a:t>
+              <a:t>2020/12/21</a:t>
             </a:fld>
             <a:endParaRPr lang="zh-CN" altLang="en-US"/>
           </a:p>
@@ -2395,7 +2395,7 @@
           <a:p>
             <a:fld id="{9BD8E147-83C6-4BFC-A003-B6FF8377158A}" type="datetimeFigureOut">
               <a:rPr lang="zh-CN" altLang="en-US" smtClean="0"/>
-              <a:t>2020/12/03</a:t>
+              <a:t>2020/12/21</a:t>
             </a:fld>
             <a:endParaRPr lang="zh-CN" altLang="en-US"/>
           </a:p>
@@ -2683,7 +2683,7 @@
           <a:p>
             <a:fld id="{9BD8E147-83C6-4BFC-A003-B6FF8377158A}" type="datetimeFigureOut">
               <a:rPr lang="zh-CN" altLang="en-US" smtClean="0"/>
-              <a:t>2020/12/03</a:t>
+              <a:t>2020/12/21</a:t>
             </a:fld>
             <a:endParaRPr lang="zh-CN" altLang="en-US"/>
           </a:p>
@@ -2924,7 +2924,7 @@
           <a:p>
             <a:fld id="{9BD8E147-83C6-4BFC-A003-B6FF8377158A}" type="datetimeFigureOut">
               <a:rPr lang="zh-CN" altLang="en-US" smtClean="0"/>
-              <a:t>2020/12/03</a:t>
+              <a:t>2020/12/21</a:t>
             </a:fld>
             <a:endParaRPr lang="zh-CN" altLang="en-US"/>
           </a:p>

--- a/doc/SoftwareDesign/Database/databaseDesign.pptx
+++ b/doc/SoftwareDesign/Database/databaseDesign.pptx
@@ -274,7 +274,7 @@
           <a:p>
             <a:fld id="{9BD8E147-83C6-4BFC-A003-B6FF8377158A}" type="datetimeFigureOut">
               <a:rPr lang="zh-CN" altLang="en-US" smtClean="0"/>
-              <a:t>2020/12/21</a:t>
+              <a:t>2021/12/18</a:t>
             </a:fld>
             <a:endParaRPr lang="zh-CN" altLang="en-US"/>
           </a:p>
@@ -472,7 +472,7 @@
           <a:p>
             <a:fld id="{9BD8E147-83C6-4BFC-A003-B6FF8377158A}" type="datetimeFigureOut">
               <a:rPr lang="zh-CN" altLang="en-US" smtClean="0"/>
-              <a:t>2020/12/21</a:t>
+              <a:t>2021/12/18</a:t>
             </a:fld>
             <a:endParaRPr lang="zh-CN" altLang="en-US"/>
           </a:p>
@@ -680,7 +680,7 @@
           <a:p>
             <a:fld id="{9BD8E147-83C6-4BFC-A003-B6FF8377158A}" type="datetimeFigureOut">
               <a:rPr lang="zh-CN" altLang="en-US" smtClean="0"/>
-              <a:t>2020/12/21</a:t>
+              <a:t>2021/12/18</a:t>
             </a:fld>
             <a:endParaRPr lang="zh-CN" altLang="en-US"/>
           </a:p>
@@ -878,7 +878,7 @@
           <a:p>
             <a:fld id="{9BD8E147-83C6-4BFC-A003-B6FF8377158A}" type="datetimeFigureOut">
               <a:rPr lang="zh-CN" altLang="en-US" smtClean="0"/>
-              <a:t>2020/12/21</a:t>
+              <a:t>2021/12/18</a:t>
             </a:fld>
             <a:endParaRPr lang="zh-CN" altLang="en-US"/>
           </a:p>
@@ -1153,7 +1153,7 @@
           <a:p>
             <a:fld id="{9BD8E147-83C6-4BFC-A003-B6FF8377158A}" type="datetimeFigureOut">
               <a:rPr lang="zh-CN" altLang="en-US" smtClean="0"/>
-              <a:t>2020/12/21</a:t>
+              <a:t>2021/12/18</a:t>
             </a:fld>
             <a:endParaRPr lang="zh-CN" altLang="en-US"/>
           </a:p>
@@ -1418,7 +1418,7 @@
           <a:p>
             <a:fld id="{9BD8E147-83C6-4BFC-A003-B6FF8377158A}" type="datetimeFigureOut">
               <a:rPr lang="zh-CN" altLang="en-US" smtClean="0"/>
-              <a:t>2020/12/21</a:t>
+              <a:t>2021/12/18</a:t>
             </a:fld>
             <a:endParaRPr lang="zh-CN" altLang="en-US"/>
           </a:p>
@@ -1830,7 +1830,7 @@
           <a:p>
             <a:fld id="{9BD8E147-83C6-4BFC-A003-B6FF8377158A}" type="datetimeFigureOut">
               <a:rPr lang="zh-CN" altLang="en-US" smtClean="0"/>
-              <a:t>2020/12/21</a:t>
+              <a:t>2021/12/18</a:t>
             </a:fld>
             <a:endParaRPr lang="zh-CN" altLang="en-US"/>
           </a:p>
@@ -1971,7 +1971,7 @@
           <a:p>
             <a:fld id="{9BD8E147-83C6-4BFC-A003-B6FF8377158A}" type="datetimeFigureOut">
               <a:rPr lang="zh-CN" altLang="en-US" smtClean="0"/>
-              <a:t>2020/12/21</a:t>
+              <a:t>2021/12/18</a:t>
             </a:fld>
             <a:endParaRPr lang="zh-CN" altLang="en-US"/>
           </a:p>
@@ -2084,7 +2084,7 @@
           <a:p>
             <a:fld id="{9BD8E147-83C6-4BFC-A003-B6FF8377158A}" type="datetimeFigureOut">
               <a:rPr lang="zh-CN" altLang="en-US" smtClean="0"/>
-              <a:t>2020/12/21</a:t>
+              <a:t>2021/12/18</a:t>
             </a:fld>
             <a:endParaRPr lang="zh-CN" altLang="en-US"/>
           </a:p>
@@ -2395,7 +2395,7 @@
           <a:p>
             <a:fld id="{9BD8E147-83C6-4BFC-A003-B6FF8377158A}" type="datetimeFigureOut">
               <a:rPr lang="zh-CN" altLang="en-US" smtClean="0"/>
-              <a:t>2020/12/21</a:t>
+              <a:t>2021/12/18</a:t>
             </a:fld>
             <a:endParaRPr lang="zh-CN" altLang="en-US"/>
           </a:p>
@@ -2683,7 +2683,7 @@
           <a:p>
             <a:fld id="{9BD8E147-83C6-4BFC-A003-B6FF8377158A}" type="datetimeFigureOut">
               <a:rPr lang="zh-CN" altLang="en-US" smtClean="0"/>
-              <a:t>2020/12/21</a:t>
+              <a:t>2021/12/18</a:t>
             </a:fld>
             <a:endParaRPr lang="zh-CN" altLang="en-US"/>
           </a:p>
@@ -2924,7 +2924,7 @@
           <a:p>
             <a:fld id="{9BD8E147-83C6-4BFC-A003-B6FF8377158A}" type="datetimeFigureOut">
               <a:rPr lang="zh-CN" altLang="en-US" smtClean="0"/>
-              <a:t>2020/12/21</a:t>
+              <a:t>2021/12/18</a:t>
             </a:fld>
             <a:endParaRPr lang="zh-CN" altLang="en-US"/>
           </a:p>
